--- a/docs/bemutato1.pptx
+++ b/docs/bemutato1.pptx
@@ -916,7 +916,7 @@
       </p:grpSpPr>
       <p:sp>
         <p:nvSpPr>
-          <p:cNvPr id="71" name="Google Shape;71;gc6f90357f_0_5:notes"/>
+          <p:cNvPr id="71" name="Google Shape;71;gc6f90357f_0_35:notes"/>
           <p:cNvSpPr/>
           <p:nvPr>
             <p:ph idx="2" type="sldImg"/>
@@ -951,7 +951,7 @@
       </p:sp>
       <p:sp>
         <p:nvSpPr>
-          <p:cNvPr id="72" name="Google Shape;72;gc6f90357f_0_5:notes"/>
+          <p:cNvPr id="72" name="Google Shape;72;gc6f90357f_0_35:notes"/>
           <p:cNvSpPr txBox="1"/>
           <p:nvPr>
             <p:ph idx="1" type="body"/>
@@ -1001,7 +1001,7 @@
   <p:cSld>
     <p:spTree>
       <p:nvGrpSpPr>
-        <p:cNvPr id="76" name="Shape 76"/>
+        <p:cNvPr id="77" name="Shape 77"/>
         <p:cNvGrpSpPr/>
         <p:nvPr/>
       </p:nvGrpSpPr>
@@ -1015,7 +1015,106 @@
       </p:grpSpPr>
       <p:sp>
         <p:nvSpPr>
-          <p:cNvPr id="77" name="Google Shape;77;g29e561f7632_0_12:notes"/>
+          <p:cNvPr id="78" name="Google Shape;78;g29e58152474_0_3:notes"/>
+          <p:cNvSpPr/>
+          <p:nvPr>
+            <p:ph idx="2" type="sldImg"/>
+          </p:nvPr>
+        </p:nvSpPr>
+        <p:spPr>
+          <a:xfrm>
+            <a:off x="381300" y="685800"/>
+            <a:ext cx="6096000" cy="3429000"/>
+          </a:xfrm>
+          <a:custGeom>
+            <a:rect b="b" l="l" r="r" t="t"/>
+            <a:pathLst>
+              <a:path extrusionOk="0" h="120000" w="120000">
+                <a:moveTo>
+                  <a:pt x="0" y="0"/>
+                </a:moveTo>
+                <a:lnTo>
+                  <a:pt x="120000" y="0"/>
+                </a:lnTo>
+                <a:lnTo>
+                  <a:pt x="120000" y="120000"/>
+                </a:lnTo>
+                <a:lnTo>
+                  <a:pt x="0" y="120000"/>
+                </a:lnTo>
+                <a:close/>
+              </a:path>
+            </a:pathLst>
+          </a:custGeom>
+        </p:spPr>
+      </p:sp>
+      <p:sp>
+        <p:nvSpPr>
+          <p:cNvPr id="79" name="Google Shape;79;g29e58152474_0_3:notes"/>
+          <p:cNvSpPr txBox="1"/>
+          <p:nvPr>
+            <p:ph idx="1" type="body"/>
+          </p:nvPr>
+        </p:nvSpPr>
+        <p:spPr>
+          <a:xfrm>
+            <a:off x="685800" y="4343400"/>
+            <a:ext cx="5486400" cy="4114800"/>
+          </a:xfrm>
+          <a:prstGeom prst="rect">
+            <a:avLst/>
+          </a:prstGeom>
+        </p:spPr>
+        <p:txBody>
+          <a:bodyPr anchorCtr="0" anchor="t" bIns="91425" lIns="91425" spcFirstLastPara="1" rIns="91425" wrap="square" tIns="91425">
+            <a:noAutofit/>
+          </a:bodyPr>
+          <a:lstStyle/>
+          <a:p>
+            <a:pPr indent="0" lvl="0" marL="0" rtl="0" algn="l">
+              <a:spcBef>
+                <a:spcPts val="0"/>
+              </a:spcBef>
+              <a:spcAft>
+                <a:spcPts val="0"/>
+              </a:spcAft>
+              <a:buNone/>
+            </a:pPr>
+            <a:r>
+              <a:t/>
+            </a:r>
+            <a:endParaRPr/>
+          </a:p>
+        </p:txBody>
+      </p:sp>
+    </p:spTree>
+  </p:cSld>
+  <p:clrMapOvr>
+    <a:masterClrMapping/>
+  </p:clrMapOvr>
+</p:notes>
+</file>
+
+<file path=ppt/notesSlides/notesSlide5.xml><?xml version="1.0" encoding="utf-8"?>
+<p:notes xmlns:a="http://schemas.openxmlformats.org/drawingml/2006/main" xmlns:r="http://schemas.openxmlformats.org/officeDocument/2006/relationships" xmlns:mc="http://schemas.openxmlformats.org/markup-compatibility/2006" xmlns:mv="urn:schemas-microsoft-com:mac:vml" xmlns:p="http://schemas.openxmlformats.org/presentationml/2006/main" xmlns:c="http://schemas.openxmlformats.org/drawingml/2006/chart" xmlns:dgm="http://schemas.openxmlformats.org/drawingml/2006/diagram" xmlns:o="urn:schemas-microsoft-com:office:office" xmlns:v="urn:schemas-microsoft-com:vml" xmlns:pvml="urn:schemas-microsoft-com:office:powerpoint" xmlns:com="http://schemas.openxmlformats.org/drawingml/2006/compatibility" xmlns:p14="http://schemas.microsoft.com/office/powerpoint/2010/main" xmlns:p15="http://schemas.microsoft.com/office/powerpoint/2012/main" xmlns:ahyp="http://schemas.microsoft.com/office/drawing/2018/hyperlinkcolor" showMasterPhAnim="0" showMasterSp="0">
+  <p:cSld>
+    <p:spTree>
+      <p:nvGrpSpPr>
+        <p:cNvPr id="84" name="Shape 84"/>
+        <p:cNvGrpSpPr/>
+        <p:nvPr/>
+      </p:nvGrpSpPr>
+      <p:grpSpPr>
+        <a:xfrm>
+          <a:off x="0" y="0"/>
+          <a:ext cx="0" cy="0"/>
+          <a:chOff x="0" y="0"/>
+          <a:chExt cx="0" cy="0"/>
+        </a:xfrm>
+      </p:grpSpPr>
+      <p:sp>
+        <p:nvSpPr>
+          <p:cNvPr id="85" name="Google Shape;85;gc6f90357f_0_47:notes"/>
           <p:cNvSpPr/>
           <p:nvPr>
             <p:ph idx="2" type="sldImg"/>
@@ -1050,7 +1149,7 @@
       </p:sp>
       <p:sp>
         <p:nvSpPr>
-          <p:cNvPr id="78" name="Google Shape;78;g29e561f7632_0_12:notes"/>
+          <p:cNvPr id="86" name="Google Shape;86;gc6f90357f_0_47:notes"/>
           <p:cNvSpPr txBox="1"/>
           <p:nvPr>
             <p:ph idx="1" type="body"/>
@@ -1095,12 +1194,12 @@
 </p:notes>
 </file>
 
-<file path=ppt/notesSlides/notesSlide5.xml><?xml version="1.0" encoding="utf-8"?>
+<file path=ppt/notesSlides/notesSlide6.xml><?xml version="1.0" encoding="utf-8"?>
 <p:notes xmlns:a="http://schemas.openxmlformats.org/drawingml/2006/main" xmlns:r="http://schemas.openxmlformats.org/officeDocument/2006/relationships" xmlns:mc="http://schemas.openxmlformats.org/markup-compatibility/2006" xmlns:mv="urn:schemas-microsoft-com:mac:vml" xmlns:p="http://schemas.openxmlformats.org/presentationml/2006/main" xmlns:c="http://schemas.openxmlformats.org/drawingml/2006/chart" xmlns:dgm="http://schemas.openxmlformats.org/drawingml/2006/diagram" xmlns:o="urn:schemas-microsoft-com:office:office" xmlns:v="urn:schemas-microsoft-com:vml" xmlns:pvml="urn:schemas-microsoft-com:office:powerpoint" xmlns:com="http://schemas.openxmlformats.org/drawingml/2006/compatibility" xmlns:p14="http://schemas.microsoft.com/office/powerpoint/2010/main" xmlns:p15="http://schemas.microsoft.com/office/powerpoint/2012/main" xmlns:ahyp="http://schemas.microsoft.com/office/drawing/2018/hyperlinkcolor" showMasterPhAnim="0" showMasterSp="0">
   <p:cSld>
     <p:spTree>
       <p:nvGrpSpPr>
-        <p:cNvPr id="82" name="Shape 82"/>
+        <p:cNvPr id="90" name="Shape 90"/>
         <p:cNvGrpSpPr/>
         <p:nvPr/>
       </p:nvGrpSpPr>
@@ -1114,7 +1213,7 @@
       </p:grpSpPr>
       <p:sp>
         <p:nvSpPr>
-          <p:cNvPr id="83" name="Google Shape;83;gc6f90357f_0_47:notes"/>
+          <p:cNvPr id="91" name="Google Shape;91;gc6f90357f_0_5:notes"/>
           <p:cNvSpPr/>
           <p:nvPr>
             <p:ph idx="2" type="sldImg"/>
@@ -1149,106 +1248,7 @@
       </p:sp>
       <p:sp>
         <p:nvSpPr>
-          <p:cNvPr id="84" name="Google Shape;84;gc6f90357f_0_47:notes"/>
-          <p:cNvSpPr txBox="1"/>
-          <p:nvPr>
-            <p:ph idx="1" type="body"/>
-          </p:nvPr>
-        </p:nvSpPr>
-        <p:spPr>
-          <a:xfrm>
-            <a:off x="685800" y="4343400"/>
-            <a:ext cx="5486400" cy="4114800"/>
-          </a:xfrm>
-          <a:prstGeom prst="rect">
-            <a:avLst/>
-          </a:prstGeom>
-        </p:spPr>
-        <p:txBody>
-          <a:bodyPr anchorCtr="0" anchor="t" bIns="91425" lIns="91425" spcFirstLastPara="1" rIns="91425" wrap="square" tIns="91425">
-            <a:noAutofit/>
-          </a:bodyPr>
-          <a:lstStyle/>
-          <a:p>
-            <a:pPr indent="0" lvl="0" marL="0" rtl="0" algn="l">
-              <a:spcBef>
-                <a:spcPts val="0"/>
-              </a:spcBef>
-              <a:spcAft>
-                <a:spcPts val="0"/>
-              </a:spcAft>
-              <a:buNone/>
-            </a:pPr>
-            <a:r>
-              <a:t/>
-            </a:r>
-            <a:endParaRPr/>
-          </a:p>
-        </p:txBody>
-      </p:sp>
-    </p:spTree>
-  </p:cSld>
-  <p:clrMapOvr>
-    <a:masterClrMapping/>
-  </p:clrMapOvr>
-</p:notes>
-</file>
-
-<file path=ppt/notesSlides/notesSlide6.xml><?xml version="1.0" encoding="utf-8"?>
-<p:notes xmlns:a="http://schemas.openxmlformats.org/drawingml/2006/main" xmlns:r="http://schemas.openxmlformats.org/officeDocument/2006/relationships" xmlns:mc="http://schemas.openxmlformats.org/markup-compatibility/2006" xmlns:mv="urn:schemas-microsoft-com:mac:vml" xmlns:p="http://schemas.openxmlformats.org/presentationml/2006/main" xmlns:c="http://schemas.openxmlformats.org/drawingml/2006/chart" xmlns:dgm="http://schemas.openxmlformats.org/drawingml/2006/diagram" xmlns:o="urn:schemas-microsoft-com:office:office" xmlns:v="urn:schemas-microsoft-com:vml" xmlns:pvml="urn:schemas-microsoft-com:office:powerpoint" xmlns:com="http://schemas.openxmlformats.org/drawingml/2006/compatibility" xmlns:p14="http://schemas.microsoft.com/office/powerpoint/2010/main" xmlns:p15="http://schemas.microsoft.com/office/powerpoint/2012/main" xmlns:ahyp="http://schemas.microsoft.com/office/drawing/2018/hyperlinkcolor" showMasterPhAnim="0" showMasterSp="0">
-  <p:cSld>
-    <p:spTree>
-      <p:nvGrpSpPr>
-        <p:cNvPr id="88" name="Shape 88"/>
-        <p:cNvGrpSpPr/>
-        <p:nvPr/>
-      </p:nvGrpSpPr>
-      <p:grpSpPr>
-        <a:xfrm>
-          <a:off x="0" y="0"/>
-          <a:ext cx="0" cy="0"/>
-          <a:chOff x="0" y="0"/>
-          <a:chExt cx="0" cy="0"/>
-        </a:xfrm>
-      </p:grpSpPr>
-      <p:sp>
-        <p:nvSpPr>
-          <p:cNvPr id="89" name="Google Shape;89;gc6f90357f_0_35:notes"/>
-          <p:cNvSpPr/>
-          <p:nvPr>
-            <p:ph idx="2" type="sldImg"/>
-          </p:nvPr>
-        </p:nvSpPr>
-        <p:spPr>
-          <a:xfrm>
-            <a:off x="381188" y="685800"/>
-            <a:ext cx="6096300" cy="3429000"/>
-          </a:xfrm>
-          <a:custGeom>
-            <a:rect b="b" l="l" r="r" t="t"/>
-            <a:pathLst>
-              <a:path extrusionOk="0" h="120000" w="120000">
-                <a:moveTo>
-                  <a:pt x="0" y="0"/>
-                </a:moveTo>
-                <a:lnTo>
-                  <a:pt x="120000" y="0"/>
-                </a:lnTo>
-                <a:lnTo>
-                  <a:pt x="120000" y="120000"/>
-                </a:lnTo>
-                <a:lnTo>
-                  <a:pt x="0" y="120000"/>
-                </a:lnTo>
-                <a:close/>
-              </a:path>
-            </a:pathLst>
-          </a:custGeom>
-        </p:spPr>
-      </p:sp>
-      <p:sp>
-        <p:nvSpPr>
-          <p:cNvPr id="90" name="Google Shape;90;gc6f90357f_0_35:notes"/>
+          <p:cNvPr id="92" name="Google Shape;92;gc6f90357f_0_5:notes"/>
           <p:cNvSpPr txBox="1"/>
           <p:nvPr>
             <p:ph idx="1" type="body"/>
@@ -7140,20 +7140,20 @@
           <p:cNvPr id="74" name="Google Shape;74;p15"/>
           <p:cNvSpPr txBox="1"/>
           <p:nvPr>
-            <p:ph type="title"/>
+            <p:ph idx="1" type="body"/>
           </p:nvPr>
         </p:nvSpPr>
         <p:spPr>
           <a:xfrm>
-            <a:off x="70575" y="86075"/>
-            <a:ext cx="4580100" cy="602400"/>
+            <a:off x="311700" y="1171675"/>
+            <a:ext cx="3999900" cy="3397200"/>
           </a:xfrm>
           <a:prstGeom prst="rect">
             <a:avLst/>
           </a:prstGeom>
         </p:spPr>
         <p:txBody>
-          <a:bodyPr anchorCtr="0" anchor="ctr" bIns="91425" lIns="91425" spcFirstLastPara="1" rIns="91425" wrap="square" tIns="91425">
+          <a:bodyPr anchorCtr="0" anchor="t" bIns="91425" lIns="91425" spcFirstLastPara="1" rIns="91425" wrap="square" tIns="91425">
             <a:noAutofit/>
           </a:bodyPr>
           <a:lstStyle/>
@@ -7168,41 +7168,125 @@
               <a:buNone/>
             </a:pPr>
             <a:r>
+              <a:rPr b="1" lang="en" sz="1800"/>
+              <a:t>Backend</a:t>
+            </a:r>
+            <a:endParaRPr b="1" sz="1800"/>
+          </a:p>
+          <a:p>
+            <a:pPr indent="0" lvl="0" marL="0" rtl="0" algn="l">
+              <a:spcBef>
+                <a:spcPts val="1600"/>
+              </a:spcBef>
+              <a:spcAft>
+                <a:spcPts val="1600"/>
+              </a:spcAft>
+              <a:buNone/>
+            </a:pPr>
+            <a:r>
+              <a:rPr lang="en" sz="1600"/>
+              <a:t>A backendhez ASP.NET keretrendszert használunk, az adatbázishoz való csatlakozáshoz az Entity Frameworkot használjuk. A backend a fly.io platformra van Docker segítségével deployolva, minden GitHub commit után automatikusan létrejön egy Docker Image, és frissítve van a fly.io deployment.</a:t>
+            </a:r>
+            <a:endParaRPr sz="1600"/>
+          </a:p>
+        </p:txBody>
+      </p:sp>
+      <p:sp>
+        <p:nvSpPr>
+          <p:cNvPr id="75" name="Google Shape;75;p15"/>
+          <p:cNvSpPr txBox="1"/>
+          <p:nvPr>
+            <p:ph idx="2" type="body"/>
+          </p:nvPr>
+        </p:nvSpPr>
+        <p:spPr>
+          <a:xfrm>
+            <a:off x="4832400" y="1171675"/>
+            <a:ext cx="3999900" cy="3397200"/>
+          </a:xfrm>
+          <a:prstGeom prst="rect">
+            <a:avLst/>
+          </a:prstGeom>
+        </p:spPr>
+        <p:txBody>
+          <a:bodyPr anchorCtr="0" anchor="t" bIns="91425" lIns="91425" spcFirstLastPara="1" rIns="91425" wrap="square" tIns="91425">
+            <a:noAutofit/>
+          </a:bodyPr>
+          <a:lstStyle/>
+          <a:p>
+            <a:pPr indent="0" lvl="0" marL="0" rtl="0" algn="l">
+              <a:spcBef>
+                <a:spcPts val="0"/>
+              </a:spcBef>
+              <a:spcAft>
+                <a:spcPts val="0"/>
+              </a:spcAft>
+              <a:buNone/>
+            </a:pPr>
+            <a:r>
+              <a:rPr b="1" lang="en" sz="1800"/>
+              <a:t>Frontend</a:t>
+            </a:r>
+            <a:endParaRPr b="1" sz="1800"/>
+          </a:p>
+          <a:p>
+            <a:pPr indent="0" lvl="0" marL="0" rtl="0" algn="l">
+              <a:spcBef>
+                <a:spcPts val="1600"/>
+              </a:spcBef>
+              <a:spcAft>
+                <a:spcPts val="1600"/>
+              </a:spcAft>
+              <a:buNone/>
+            </a:pPr>
+            <a:r>
+              <a:rPr lang="en" sz="1600"/>
+              <a:t>A frontendhez React keretrendszert használunk és Vite fejlesztői környezetet. A routinghoz React Routert használunk, a komponensekhez Radix UI-t és a stílusokhoz Tailwind CSS-t. A frontend Cloudflare Pages szolgáltatásra van deployolva, minden GitHub commit után automatikusan frissítve van.</a:t>
+            </a:r>
+            <a:endParaRPr sz="1600"/>
+          </a:p>
+        </p:txBody>
+      </p:sp>
+      <p:sp>
+        <p:nvSpPr>
+          <p:cNvPr id="76" name="Google Shape;76;p15"/>
+          <p:cNvSpPr txBox="1"/>
+          <p:nvPr>
+            <p:ph type="title"/>
+          </p:nvPr>
+        </p:nvSpPr>
+        <p:spPr>
+          <a:xfrm>
+            <a:off x="311700" y="445025"/>
+            <a:ext cx="8520600" cy="613200"/>
+          </a:xfrm>
+          <a:prstGeom prst="rect">
+            <a:avLst/>
+          </a:prstGeom>
+        </p:spPr>
+        <p:txBody>
+          <a:bodyPr anchorCtr="0" anchor="t" bIns="91425" lIns="91425" spcFirstLastPara="1" rIns="91425" wrap="square" tIns="91425">
+            <a:noAutofit/>
+          </a:bodyPr>
+          <a:lstStyle/>
+          <a:p>
+            <a:pPr indent="0" lvl="0" marL="0" rtl="0" algn="l">
+              <a:spcBef>
+                <a:spcPts val="0"/>
+              </a:spcBef>
+              <a:spcAft>
+                <a:spcPts val="0"/>
+              </a:spcAft>
+              <a:buNone/>
+            </a:pPr>
+            <a:r>
               <a:rPr lang="en"/>
-              <a:t>Adatbázis terv</a:t>
+              <a:t>Projekt felépítése</a:t>
             </a:r>
             <a:endParaRPr/>
           </a:p>
         </p:txBody>
       </p:sp>
-      <p:pic>
-        <p:nvPicPr>
-          <p:cNvPr id="75" name="Google Shape;75;p15"/>
-          <p:cNvPicPr preferRelativeResize="0"/>
-          <p:nvPr/>
-        </p:nvPicPr>
-        <p:blipFill>
-          <a:blip r:embed="rId3">
-            <a:alphaModFix/>
-          </a:blip>
-          <a:stretch>
-            <a:fillRect/>
-          </a:stretch>
-        </p:blipFill>
-        <p:spPr>
-          <a:xfrm>
-            <a:off x="242978" y="897250"/>
-            <a:ext cx="8658051" cy="4167424"/>
-          </a:xfrm>
-          <a:prstGeom prst="rect">
-            <a:avLst/>
-          </a:prstGeom>
-          <a:noFill/>
-          <a:ln>
-            <a:noFill/>
-          </a:ln>
-        </p:spPr>
-      </p:pic>
     </p:spTree>
   </p:cSld>
   <p:clrMapOvr>
@@ -7216,7 +7300,7 @@
   <p:cSld>
     <p:spTree>
       <p:nvGrpSpPr>
-        <p:cNvPr id="79" name="Shape 79"/>
+        <p:cNvPr id="80" name="Shape 80"/>
         <p:cNvGrpSpPr/>
         <p:nvPr/>
       </p:nvGrpSpPr>
@@ -7230,7 +7314,7 @@
       </p:grpSpPr>
       <p:sp>
         <p:nvSpPr>
-          <p:cNvPr id="80" name="Google Shape;80;p16"/>
+          <p:cNvPr id="81" name="Google Shape;81;p16"/>
           <p:cNvSpPr txBox="1"/>
           <p:nvPr>
             <p:ph type="title"/>
@@ -7262,87 +7346,68 @@
             </a:pPr>
             <a:r>
               <a:rPr lang="en"/>
-              <a:t>Adatbázis terv</a:t>
+              <a:t>Frontend terv</a:t>
             </a:r>
             <a:endParaRPr/>
           </a:p>
         </p:txBody>
       </p:sp>
-      <p:sp>
-        <p:nvSpPr>
-          <p:cNvPr id="81" name="Google Shape;81;p16"/>
-          <p:cNvSpPr txBox="1"/>
-          <p:nvPr>
-            <p:ph idx="2" type="body"/>
-          </p:nvPr>
-        </p:nvSpPr>
+      <p:pic>
+        <p:nvPicPr>
+          <p:cNvPr id="82" name="Google Shape;82;p16"/>
+          <p:cNvPicPr preferRelativeResize="0"/>
+          <p:nvPr/>
+        </p:nvPicPr>
+        <p:blipFill>
+          <a:blip r:embed="rId3">
+            <a:alphaModFix/>
+          </a:blip>
+          <a:stretch>
+            <a:fillRect/>
+          </a:stretch>
+        </p:blipFill>
         <p:spPr>
           <a:xfrm>
-            <a:off x="4939500" y="724200"/>
-            <a:ext cx="3837000" cy="3695100"/>
+            <a:off x="4747525" y="152400"/>
+            <a:ext cx="4244076" cy="2336475"/>
           </a:xfrm>
           <a:prstGeom prst="rect">
             <a:avLst/>
           </a:prstGeom>
+          <a:noFill/>
+          <a:ln>
+            <a:noFill/>
+          </a:ln>
         </p:spPr>
-        <p:txBody>
-          <a:bodyPr anchorCtr="0" anchor="ctr" bIns="91425" lIns="91425" spcFirstLastPara="1" rIns="91425" wrap="square" tIns="91425">
-            <a:noAutofit/>
-          </a:bodyPr>
-          <a:lstStyle/>
-          <a:p>
-            <a:pPr indent="-342900" lvl="0" marL="457200" rtl="0" algn="l">
-              <a:spcBef>
-                <a:spcPts val="0"/>
-              </a:spcBef>
-              <a:spcAft>
-                <a:spcPts val="0"/>
-              </a:spcAft>
-              <a:buSzPts val="1800"/>
-              <a:buChar char="●"/>
-            </a:pPr>
-            <a:r>
-              <a:rPr lang="en"/>
-              <a:t>Az adatbázisunkban az alapvető egyedek: felhasználó, címke, játék, eladó, ajánlat, megrendelés</a:t>
-            </a:r>
-            <a:endParaRPr/>
-          </a:p>
-          <a:p>
-            <a:pPr indent="-342900" lvl="0" marL="457200" rtl="0" algn="l">
-              <a:spcBef>
-                <a:spcPts val="1600"/>
-              </a:spcBef>
-              <a:spcAft>
-                <a:spcPts val="0"/>
-              </a:spcAft>
-              <a:buSzPts val="1800"/>
-              <a:buChar char="●"/>
-            </a:pPr>
-            <a:r>
-              <a:rPr lang="en"/>
-              <a:t>A felhasználóknak van egy szintjük, és vannak elérhetőségeik</a:t>
-            </a:r>
-            <a:endParaRPr/>
-          </a:p>
-          <a:p>
-            <a:pPr indent="-342900" lvl="0" marL="457200" rtl="0" algn="l">
-              <a:spcBef>
-                <a:spcPts val="1600"/>
-              </a:spcBef>
-              <a:spcAft>
-                <a:spcPts val="1600"/>
-              </a:spcAft>
-              <a:buSzPts val="1800"/>
-              <a:buChar char="●"/>
-            </a:pPr>
-            <a:r>
-              <a:rPr lang="en"/>
-              <a:t>A játékoknak vannak címkéik, és léteznek ajánlatok bizonyos eladóktól</a:t>
-            </a:r>
-            <a:endParaRPr/>
-          </a:p>
-        </p:txBody>
-      </p:sp>
+      </p:pic>
+      <p:pic>
+        <p:nvPicPr>
+          <p:cNvPr id="83" name="Google Shape;83;p16"/>
+          <p:cNvPicPr preferRelativeResize="0"/>
+          <p:nvPr/>
+        </p:nvPicPr>
+        <p:blipFill>
+          <a:blip r:embed="rId4">
+            <a:alphaModFix/>
+          </a:blip>
+          <a:stretch>
+            <a:fillRect/>
+          </a:stretch>
+        </p:blipFill>
+        <p:spPr>
+          <a:xfrm>
+            <a:off x="5068575" y="2571750"/>
+            <a:ext cx="3601963" cy="2349826"/>
+          </a:xfrm>
+          <a:prstGeom prst="rect">
+            <a:avLst/>
+          </a:prstGeom>
+          <a:noFill/>
+          <a:ln>
+            <a:noFill/>
+          </a:ln>
+        </p:spPr>
+      </p:pic>
     </p:spTree>
   </p:cSld>
   <p:clrMapOvr>
@@ -7356,7 +7421,7 @@
   <p:cSld>
     <p:spTree>
       <p:nvGrpSpPr>
-        <p:cNvPr id="85" name="Shape 85"/>
+        <p:cNvPr id="87" name="Shape 87"/>
         <p:cNvGrpSpPr/>
         <p:nvPr/>
       </p:nvGrpSpPr>
@@ -7370,7 +7435,7 @@
       </p:grpSpPr>
       <p:sp>
         <p:nvSpPr>
-          <p:cNvPr id="86" name="Google Shape;86;p17"/>
+          <p:cNvPr id="88" name="Google Shape;88;p17"/>
           <p:cNvSpPr txBox="1"/>
           <p:nvPr>
             <p:ph type="title"/>
@@ -7410,7 +7475,7 @@
       </p:sp>
       <p:sp>
         <p:nvSpPr>
-          <p:cNvPr id="87" name="Google Shape;87;p17"/>
+          <p:cNvPr id="89" name="Google Shape;89;p17"/>
           <p:cNvSpPr txBox="1"/>
           <p:nvPr>
             <p:ph idx="1" type="body"/>
@@ -7442,7 +7507,7 @@
             </a:pPr>
             <a:r>
               <a:rPr lang="en"/>
-              <a:t>Alapvető adatbázisnak PostgreSQL-t használunk, valamint Redis-t a rövid életű sessionok, regisztrációs, jelszó visszaállításhoz való kulcsok tárolásához. Az adatbázisok egy Hetzner szerverre vannak deployolva Docker Compose segítségével. Az SQL adatbázis migrálásához egy saját shell scriptet hoztunk létre, ami automatikusan kezeli a migrációs fájlokat.</a:t>
+              <a:t>Alapvető adatbázisnak PostgreSQL-t használunk, valamint Redis-t a rövid életű sessionok, regisztrációhoz és jelszó visszaállításhoz való tokenek tárolásához. Az adatbázisok Docker Compose segítségével vannak deployolva egy Hetzner szerverre. Az adatbázisunkban az alapvető egyedek: felhasználó, címke, játék, eladó, ajánlat, megrendelés. A felhasználóknak van egy szintjük, és vannak elérhetőségeik. A játékoknak vannak címkéik, és léteznek ajánlatok megadott eladóktól.</a:t>
             </a:r>
             <a:endParaRPr/>
           </a:p>
@@ -7461,7 +7526,7 @@
   <p:cSld>
     <p:spTree>
       <p:nvGrpSpPr>
-        <p:cNvPr id="91" name="Shape 91"/>
+        <p:cNvPr id="93" name="Shape 93"/>
         <p:cNvGrpSpPr/>
         <p:nvPr/>
       </p:nvGrpSpPr>
@@ -7473,158 +7538,34 @@
           <a:chExt cx="0" cy="0"/>
         </a:xfrm>
       </p:grpSpPr>
-      <p:sp>
-        <p:nvSpPr>
-          <p:cNvPr id="92" name="Google Shape;92;p18"/>
-          <p:cNvSpPr txBox="1"/>
-          <p:nvPr>
-            <p:ph idx="1" type="body"/>
-          </p:nvPr>
-        </p:nvSpPr>
+      <p:pic>
+        <p:nvPicPr>
+          <p:cNvPr id="94" name="Google Shape;94;p18"/>
+          <p:cNvPicPr preferRelativeResize="0"/>
+          <p:nvPr/>
+        </p:nvPicPr>
+        <p:blipFill>
+          <a:blip r:embed="rId3">
+            <a:alphaModFix/>
+          </a:blip>
+          <a:stretch>
+            <a:fillRect/>
+          </a:stretch>
+        </p:blipFill>
         <p:spPr>
           <a:xfrm>
-            <a:off x="311700" y="1171675"/>
-            <a:ext cx="3999900" cy="3397200"/>
+            <a:off x="198625" y="219525"/>
+            <a:ext cx="8702399" cy="4702299"/>
           </a:xfrm>
           <a:prstGeom prst="rect">
             <a:avLst/>
           </a:prstGeom>
+          <a:noFill/>
+          <a:ln>
+            <a:noFill/>
+          </a:ln>
         </p:spPr>
-        <p:txBody>
-          <a:bodyPr anchorCtr="0" anchor="t" bIns="91425" lIns="91425" spcFirstLastPara="1" rIns="91425" wrap="square" tIns="91425">
-            <a:noAutofit/>
-          </a:bodyPr>
-          <a:lstStyle/>
-          <a:p>
-            <a:pPr indent="0" lvl="0" marL="0" rtl="0" algn="l">
-              <a:spcBef>
-                <a:spcPts val="0"/>
-              </a:spcBef>
-              <a:spcAft>
-                <a:spcPts val="0"/>
-              </a:spcAft>
-              <a:buNone/>
-            </a:pPr>
-            <a:r>
-              <a:rPr b="1" lang="en" sz="1800"/>
-              <a:t>Backend</a:t>
-            </a:r>
-            <a:endParaRPr b="1" sz="1800"/>
-          </a:p>
-          <a:p>
-            <a:pPr indent="0" lvl="0" marL="0" rtl="0" algn="l">
-              <a:spcBef>
-                <a:spcPts val="1600"/>
-              </a:spcBef>
-              <a:spcAft>
-                <a:spcPts val="1600"/>
-              </a:spcAft>
-              <a:buNone/>
-            </a:pPr>
-            <a:r>
-              <a:rPr lang="en" sz="1600"/>
-              <a:t>A backendhez ASP.NET keretrendszert használunk, az adatbázishoz való csatlakozáshoz az Entity Frameworkot használjuk. A backend a fly.io platformra van Docker segítségével deployolva, minden GitHub commit után automatikusan létrejön egy image, és frissítve van a fly.io deployment.</a:t>
-            </a:r>
-            <a:endParaRPr sz="1600"/>
-          </a:p>
-        </p:txBody>
-      </p:sp>
-      <p:sp>
-        <p:nvSpPr>
-          <p:cNvPr id="93" name="Google Shape;93;p18"/>
-          <p:cNvSpPr txBox="1"/>
-          <p:nvPr>
-            <p:ph idx="2" type="body"/>
-          </p:nvPr>
-        </p:nvSpPr>
-        <p:spPr>
-          <a:xfrm>
-            <a:off x="4832400" y="1171675"/>
-            <a:ext cx="3999900" cy="3397200"/>
-          </a:xfrm>
-          <a:prstGeom prst="rect">
-            <a:avLst/>
-          </a:prstGeom>
-        </p:spPr>
-        <p:txBody>
-          <a:bodyPr anchorCtr="0" anchor="t" bIns="91425" lIns="91425" spcFirstLastPara="1" rIns="91425" wrap="square" tIns="91425">
-            <a:noAutofit/>
-          </a:bodyPr>
-          <a:lstStyle/>
-          <a:p>
-            <a:pPr indent="0" lvl="0" marL="0" rtl="0" algn="l">
-              <a:spcBef>
-                <a:spcPts val="0"/>
-              </a:spcBef>
-              <a:spcAft>
-                <a:spcPts val="0"/>
-              </a:spcAft>
-              <a:buNone/>
-            </a:pPr>
-            <a:r>
-              <a:rPr b="1" lang="en" sz="1800"/>
-              <a:t>Frontend</a:t>
-            </a:r>
-            <a:endParaRPr b="1" sz="1800"/>
-          </a:p>
-          <a:p>
-            <a:pPr indent="0" lvl="0" marL="0" rtl="0" algn="l">
-              <a:spcBef>
-                <a:spcPts val="1600"/>
-              </a:spcBef>
-              <a:spcAft>
-                <a:spcPts val="1600"/>
-              </a:spcAft>
-              <a:buNone/>
-            </a:pPr>
-            <a:r>
-              <a:rPr lang="en" sz="1600"/>
-              <a:t>A frontendhez React keretrendszert használunk, Vite fejlesztői környezetet, és esbuild bundlert. A routinghoz React Routert használunk, és a stílusokhoz Tailwind CSS-t. A frontend Cloudflare Pages szolgáltatásra van deployolva, minden GitHub commit után automatikusan frissítve van.</a:t>
-            </a:r>
-            <a:endParaRPr sz="1600"/>
-          </a:p>
-        </p:txBody>
-      </p:sp>
-      <p:sp>
-        <p:nvSpPr>
-          <p:cNvPr id="94" name="Google Shape;94;p18"/>
-          <p:cNvSpPr txBox="1"/>
-          <p:nvPr>
-            <p:ph type="title"/>
-          </p:nvPr>
-        </p:nvSpPr>
-        <p:spPr>
-          <a:xfrm>
-            <a:off x="311700" y="445025"/>
-            <a:ext cx="8520600" cy="613200"/>
-          </a:xfrm>
-          <a:prstGeom prst="rect">
-            <a:avLst/>
-          </a:prstGeom>
-        </p:spPr>
-        <p:txBody>
-          <a:bodyPr anchorCtr="0" anchor="t" bIns="91425" lIns="91425" spcFirstLastPara="1" rIns="91425" wrap="square" tIns="91425">
-            <a:noAutofit/>
-          </a:bodyPr>
-          <a:lstStyle/>
-          <a:p>
-            <a:pPr indent="0" lvl="0" marL="0" rtl="0" algn="l">
-              <a:spcBef>
-                <a:spcPts val="0"/>
-              </a:spcBef>
-              <a:spcAft>
-                <a:spcPts val="0"/>
-              </a:spcAft>
-              <a:buNone/>
-            </a:pPr>
-            <a:r>
-              <a:rPr lang="en"/>
-              <a:t>Projekt felépítése</a:t>
-            </a:r>
-            <a:endParaRPr/>
-          </a:p>
-        </p:txBody>
-      </p:sp>
+      </p:pic>
     </p:spTree>
   </p:cSld>
   <p:clrMapOvr>

--- a/docs/bemutato1.pptx
+++ b/docs/bemutato1.pptx
@@ -6826,7 +6826,15 @@
             </a:pPr>
             <a:r>
               <a:rPr lang="en"/>
-              <a:t>Projekt Bemutató 1.</a:t>
+              <a:t>Proje</a:t>
+            </a:r>
+            <a:r>
+              <a:rPr lang="en"/>
+              <a:t>kt Bemutató </a:t>
+            </a:r>
+            <a:r>
+              <a:rPr lang="en"/>
+              <a:t>1.</a:t>
             </a:r>
             <a:endParaRPr/>
           </a:p>
@@ -7006,7 +7014,7 @@
             </a:pPr>
             <a:r>
               <a:rPr lang="en" sz="1600"/>
-              <a:t>Alap backend összeállítás elkészült a szükséges dependencykkel</a:t>
+              <a:t>Alap backend összeállítás elkészült a szükséges követelményekkel</a:t>
             </a:r>
             <a:endParaRPr sz="1600"/>
           </a:p>
@@ -7185,7 +7193,7 @@
             </a:pPr>
             <a:r>
               <a:rPr lang="en" sz="1600"/>
-              <a:t>A backendhez ASP.NET keretrendszert használunk, az adatbázishoz való csatlakozáshoz az Entity Frameworkot használjuk. A backend a fly.io platformra van Docker segítségével deployolva, minden GitHub commit után automatikusan létrejön egy Docker Image, és frissítve van a fly.io deployment.</a:t>
+              <a:t>A backendhez ASP.NET keretrendszert használunk, az adatbázishoz való csatlakozáshoz az Entity Frameworkot használjuk. A backend a fly.io platformra van Docker segítségével deployolva, minden GitHub commit után automatikusan frissítve van.</a:t>
             </a:r>
             <a:endParaRPr sz="1600"/>
           </a:p>
@@ -7241,7 +7249,7 @@
             </a:pPr>
             <a:r>
               <a:rPr lang="en" sz="1600"/>
-              <a:t>A frontendhez React keretrendszert használunk és Vite fejlesztői környezetet. A routinghoz React Routert használunk, a komponensekhez Radix UI-t és a stílusokhoz Tailwind CSS-t. A frontend Cloudflare Pages szolgáltatásra van deployolva, minden GitHub commit után automatikusan frissítve van.</a:t>
+              <a:t>A frontendhez React keretrendszert használunk és Vite fejlesztői környezetet. A routinghoz React Routert használunk, a komponensekhez Radix UI-t és a stílusokhoz Tailwind CSS-t. A frontend Cloudflare Pages szolgáltatásra van deployolva.</a:t>
             </a:r>
             <a:endParaRPr sz="1600"/>
           </a:p>

--- a/docs/bemutato1.pptx
+++ b/docs/bemutato1.pptx
@@ -7583,6 +7583,285 @@
 </file>
 
 <file path=ppt/theme/theme1.xml><?xml version="1.0" encoding="utf-8"?>
+<a:theme xmlns:a="http://schemas.openxmlformats.org/drawingml/2006/main" xmlns:r="http://schemas.openxmlformats.org/officeDocument/2006/relationships" name="Paperback">
+  <a:themeElements>
+    <a:clrScheme name="Paperback">
+      <a:dk1>
+        <a:srgbClr val="000000"/>
+      </a:dk1>
+      <a:lt1>
+        <a:srgbClr val="FFFFFF"/>
+      </a:lt1>
+      <a:dk2>
+        <a:srgbClr val="00695C"/>
+      </a:dk2>
+      <a:lt2>
+        <a:srgbClr val="26A69A"/>
+      </a:lt2>
+      <a:accent1>
+        <a:srgbClr val="FFFBF0"/>
+      </a:accent1>
+      <a:accent2>
+        <a:srgbClr val="B7B7B7"/>
+      </a:accent2>
+      <a:accent3>
+        <a:srgbClr val="FB8C00"/>
+      </a:accent3>
+      <a:accent4>
+        <a:srgbClr val="80CBC4"/>
+      </a:accent4>
+      <a:accent5>
+        <a:srgbClr val="AF4345"/>
+      </a:accent5>
+      <a:accent6>
+        <a:srgbClr val="F58F8F"/>
+      </a:accent6>
+      <a:hlink>
+        <a:srgbClr val="AF4345"/>
+      </a:hlink>
+      <a:folHlink>
+        <a:srgbClr val="AF4345"/>
+      </a:folHlink>
+    </a:clrScheme>
+    <a:fontScheme name="Office">
+      <a:majorFont>
+        <a:latin typeface="Arial"/>
+        <a:ea typeface=""/>
+        <a:cs typeface=""/>
+        <a:font script="Jpan" typeface="ＭＳ Ｐゴシック"/>
+        <a:font script="Hang" typeface="맑은 고딕"/>
+        <a:font script="Hans" typeface="宋体"/>
+        <a:font script="Hant" typeface="新細明體"/>
+        <a:font script="Arab" typeface="Times New Roman"/>
+        <a:font script="Hebr" typeface="Times New Roman"/>
+        <a:font script="Thai" typeface="Angsana New"/>
+        <a:font script="Ethi" typeface="Nyala"/>
+        <a:font script="Beng" typeface="Vrinda"/>
+        <a:font script="Gujr" typeface="Shruti"/>
+        <a:font script="Khmr" typeface="MoolBoran"/>
+        <a:font script="Knda" typeface="Tunga"/>
+        <a:font script="Guru" typeface="Raavi"/>
+        <a:font script="Cans" typeface="Euphemia"/>
+        <a:font script="Cher" typeface="Plantagenet Cherokee"/>
+        <a:font script="Yiii" typeface="Microsoft Yi Baiti"/>
+        <a:font script="Tibt" typeface="Microsoft Himalaya"/>
+        <a:font script="Thaa" typeface="MV Boli"/>
+        <a:font script="Deva" typeface="Mangal"/>
+        <a:font script="Telu" typeface="Gautami"/>
+        <a:font script="Taml" typeface="Latha"/>
+        <a:font script="Syrc" typeface="Estrangelo Edessa"/>
+        <a:font script="Orya" typeface="Kalinga"/>
+        <a:font script="Mlym" typeface="Kartika"/>
+        <a:font script="Laoo" typeface="DokChampa"/>
+        <a:font script="Sinh" typeface="Iskoola Pota"/>
+        <a:font script="Mong" typeface="Mongolian Baiti"/>
+        <a:font script="Viet" typeface="Times New Roman"/>
+        <a:font script="Uigh" typeface="Microsoft Uighur"/>
+        <a:font script="Geor" typeface="Sylfaen"/>
+      </a:majorFont>
+      <a:minorFont>
+        <a:latin typeface="Arial"/>
+        <a:ea typeface=""/>
+        <a:cs typeface=""/>
+        <a:font script="Jpan" typeface="ＭＳ Ｐゴシック"/>
+        <a:font script="Hang" typeface="맑은 고딕"/>
+        <a:font script="Hans" typeface="宋体"/>
+        <a:font script="Hant" typeface="新細明體"/>
+        <a:font script="Arab" typeface="Arial"/>
+        <a:font script="Hebr" typeface="Arial"/>
+        <a:font script="Thai" typeface="Cordia New"/>
+        <a:font script="Ethi" typeface="Nyala"/>
+        <a:font script="Beng" typeface="Vrinda"/>
+        <a:font script="Gujr" typeface="Shruti"/>
+        <a:font script="Khmr" typeface="DaunPenh"/>
+        <a:font script="Knda" typeface="Tunga"/>
+        <a:font script="Guru" typeface="Raavi"/>
+        <a:font script="Cans" typeface="Euphemia"/>
+        <a:font script="Cher" typeface="Plantagenet Cherokee"/>
+        <a:font script="Yiii" typeface="Microsoft Yi Baiti"/>
+        <a:font script="Tibt" typeface="Microsoft Himalaya"/>
+        <a:font script="Thaa" typeface="MV Boli"/>
+        <a:font script="Deva" typeface="Mangal"/>
+        <a:font script="Telu" typeface="Gautami"/>
+        <a:font script="Taml" typeface="Latha"/>
+        <a:font script="Syrc" typeface="Estrangelo Edessa"/>
+        <a:font script="Orya" typeface="Kalinga"/>
+        <a:font script="Mlym" typeface="Kartika"/>
+        <a:font script="Laoo" typeface="DokChampa"/>
+        <a:font script="Sinh" typeface="Iskoola Pota"/>
+        <a:font script="Mong" typeface="Mongolian Baiti"/>
+        <a:font script="Viet" typeface="Arial"/>
+        <a:font script="Uigh" typeface="Microsoft Uighur"/>
+        <a:font script="Geor" typeface="Sylfaen"/>
+      </a:minorFont>
+    </a:fontScheme>
+    <a:fmtScheme name="Office">
+      <a:fillStyleLst>
+        <a:solidFill>
+          <a:schemeClr val="phClr"/>
+        </a:solidFill>
+        <a:gradFill rotWithShape="1">
+          <a:gsLst>
+            <a:gs pos="0">
+              <a:schemeClr val="phClr">
+                <a:tint val="50000"/>
+                <a:satMod val="300000"/>
+              </a:schemeClr>
+            </a:gs>
+            <a:gs pos="35000">
+              <a:schemeClr val="phClr">
+                <a:tint val="37000"/>
+                <a:satMod val="300000"/>
+              </a:schemeClr>
+            </a:gs>
+            <a:gs pos="100000">
+              <a:schemeClr val="phClr">
+                <a:tint val="15000"/>
+                <a:satMod val="350000"/>
+              </a:schemeClr>
+            </a:gs>
+          </a:gsLst>
+          <a:lin ang="16200000" scaled="1"/>
+        </a:gradFill>
+        <a:gradFill rotWithShape="1">
+          <a:gsLst>
+            <a:gs pos="0">
+              <a:schemeClr val="phClr">
+                <a:tint val="100000"/>
+                <a:shade val="100000"/>
+                <a:satMod val="130000"/>
+              </a:schemeClr>
+            </a:gs>
+            <a:gs pos="100000">
+              <a:schemeClr val="phClr">
+                <a:tint val="50000"/>
+                <a:shade val="100000"/>
+                <a:satMod val="350000"/>
+              </a:schemeClr>
+            </a:gs>
+          </a:gsLst>
+          <a:lin ang="16200000" scaled="0"/>
+        </a:gradFill>
+      </a:fillStyleLst>
+      <a:lnStyleLst>
+        <a:ln w="9525" cap="flat" cmpd="sng" algn="ctr">
+          <a:solidFill>
+            <a:schemeClr val="phClr">
+              <a:shade val="95000"/>
+              <a:satMod val="105000"/>
+            </a:schemeClr>
+          </a:solidFill>
+          <a:prstDash val="solid"/>
+        </a:ln>
+        <a:ln w="25400" cap="flat" cmpd="sng" algn="ctr">
+          <a:solidFill>
+            <a:schemeClr val="phClr"/>
+          </a:solidFill>
+          <a:prstDash val="solid"/>
+        </a:ln>
+        <a:ln w="38100" cap="flat" cmpd="sng" algn="ctr">
+          <a:solidFill>
+            <a:schemeClr val="phClr"/>
+          </a:solidFill>
+          <a:prstDash val="solid"/>
+        </a:ln>
+      </a:lnStyleLst>
+      <a:effectStyleLst>
+        <a:effectStyle>
+          <a:effectLst>
+            <a:outerShdw blurRad="40000" dist="20000" dir="5400000" rotWithShape="0">
+              <a:srgbClr val="000000">
+                <a:alpha val="38000"/>
+              </a:srgbClr>
+            </a:outerShdw>
+          </a:effectLst>
+        </a:effectStyle>
+        <a:effectStyle>
+          <a:effectLst>
+            <a:outerShdw blurRad="40000" dist="23000" dir="5400000" rotWithShape="0">
+              <a:srgbClr val="000000">
+                <a:alpha val="35000"/>
+              </a:srgbClr>
+            </a:outerShdw>
+          </a:effectLst>
+        </a:effectStyle>
+        <a:effectStyle>
+          <a:effectLst>
+            <a:outerShdw blurRad="40000" dist="23000" dir="5400000" rotWithShape="0">
+              <a:srgbClr val="000000">
+                <a:alpha val="35000"/>
+              </a:srgbClr>
+            </a:outerShdw>
+          </a:effectLst>
+          <a:scene3d>
+            <a:camera prst="orthographicFront">
+              <a:rot lat="0" lon="0" rev="0"/>
+            </a:camera>
+            <a:lightRig rig="threePt" dir="t">
+              <a:rot lat="0" lon="0" rev="1200000"/>
+            </a:lightRig>
+          </a:scene3d>
+          <a:sp3d>
+            <a:bevelT w="63500" h="25400"/>
+          </a:sp3d>
+        </a:effectStyle>
+      </a:effectStyleLst>
+      <a:bgFillStyleLst>
+        <a:solidFill>
+          <a:schemeClr val="phClr"/>
+        </a:solidFill>
+        <a:gradFill rotWithShape="1">
+          <a:gsLst>
+            <a:gs pos="0">
+              <a:schemeClr val="phClr">
+                <a:tint val="40000"/>
+                <a:satMod val="350000"/>
+              </a:schemeClr>
+            </a:gs>
+            <a:gs pos="40000">
+              <a:schemeClr val="phClr">
+                <a:tint val="45000"/>
+                <a:shade val="99000"/>
+                <a:satMod val="350000"/>
+              </a:schemeClr>
+            </a:gs>
+            <a:gs pos="100000">
+              <a:schemeClr val="phClr">
+                <a:shade val="20000"/>
+                <a:satMod val="255000"/>
+              </a:schemeClr>
+            </a:gs>
+          </a:gsLst>
+          <a:path path="circle">
+            <a:fillToRect l="50000" t="-80000" r="50000" b="180000"/>
+          </a:path>
+        </a:gradFill>
+        <a:gradFill rotWithShape="1">
+          <a:gsLst>
+            <a:gs pos="0">
+              <a:schemeClr val="phClr">
+                <a:tint val="80000"/>
+                <a:satMod val="300000"/>
+              </a:schemeClr>
+            </a:gs>
+            <a:gs pos="100000">
+              <a:schemeClr val="phClr">
+                <a:shade val="30000"/>
+                <a:satMod val="200000"/>
+              </a:schemeClr>
+            </a:gs>
+          </a:gsLst>
+          <a:path path="circle">
+            <a:fillToRect l="50000" t="50000" r="50000" b="50000"/>
+          </a:path>
+        </a:gradFill>
+      </a:bgFillStyleLst>
+    </a:fmtScheme>
+  </a:themeElements>
+</a:theme>
+</file>
+
+<file path=ppt/theme/theme2.xml><?xml version="1.0" encoding="utf-8"?>
 <a:theme xmlns:a="http://schemas.openxmlformats.org/drawingml/2006/main" xmlns:r="http://schemas.openxmlformats.org/officeDocument/2006/relationships">
   <a:themeElements>
     <a:clrScheme name="Default">
@@ -7859,283 +8138,4 @@
     </a:fmtScheme>
   </a:themeElements>
 </a:theme>
-</file>
-
-<file path=ppt/theme/theme2.xml><?xml version="1.0" encoding="utf-8"?>
-<a:theme xmlns:a="http://schemas.openxmlformats.org/drawingml/2006/main" xmlns:r="http://schemas.openxmlformats.org/officeDocument/2006/relationships" name="Paperback">
-  <a:themeElements>
-    <a:clrScheme name="Paperback">
-      <a:dk1>
-        <a:srgbClr val="000000"/>
-      </a:dk1>
-      <a:lt1>
-        <a:srgbClr val="FFFFFF"/>
-      </a:lt1>
-      <a:dk2>
-        <a:srgbClr val="00695C"/>
-      </a:dk2>
-      <a:lt2>
-        <a:srgbClr val="26A69A"/>
-      </a:lt2>
-      <a:accent1>
-        <a:srgbClr val="FFFBF0"/>
-      </a:accent1>
-      <a:accent2>
-        <a:srgbClr val="B7B7B7"/>
-      </a:accent2>
-      <a:accent3>
-        <a:srgbClr val="FB8C00"/>
-      </a:accent3>
-      <a:accent4>
-        <a:srgbClr val="80CBC4"/>
-      </a:accent4>
-      <a:accent5>
-        <a:srgbClr val="AF4345"/>
-      </a:accent5>
-      <a:accent6>
-        <a:srgbClr val="F58F8F"/>
-      </a:accent6>
-      <a:hlink>
-        <a:srgbClr val="AF4345"/>
-      </a:hlink>
-      <a:folHlink>
-        <a:srgbClr val="AF4345"/>
-      </a:folHlink>
-    </a:clrScheme>
-    <a:fontScheme name="Office">
-      <a:majorFont>
-        <a:latin typeface="Arial"/>
-        <a:ea typeface=""/>
-        <a:cs typeface=""/>
-        <a:font script="Jpan" typeface="ＭＳ Ｐゴシック"/>
-        <a:font script="Hang" typeface="맑은 고딕"/>
-        <a:font script="Hans" typeface="宋体"/>
-        <a:font script="Hant" typeface="新細明體"/>
-        <a:font script="Arab" typeface="Times New Roman"/>
-        <a:font script="Hebr" typeface="Times New Roman"/>
-        <a:font script="Thai" typeface="Angsana New"/>
-        <a:font script="Ethi" typeface="Nyala"/>
-        <a:font script="Beng" typeface="Vrinda"/>
-        <a:font script="Gujr" typeface="Shruti"/>
-        <a:font script="Khmr" typeface="MoolBoran"/>
-        <a:font script="Knda" typeface="Tunga"/>
-        <a:font script="Guru" typeface="Raavi"/>
-        <a:font script="Cans" typeface="Euphemia"/>
-        <a:font script="Cher" typeface="Plantagenet Cherokee"/>
-        <a:font script="Yiii" typeface="Microsoft Yi Baiti"/>
-        <a:font script="Tibt" typeface="Microsoft Himalaya"/>
-        <a:font script="Thaa" typeface="MV Boli"/>
-        <a:font script="Deva" typeface="Mangal"/>
-        <a:font script="Telu" typeface="Gautami"/>
-        <a:font script="Taml" typeface="Latha"/>
-        <a:font script="Syrc" typeface="Estrangelo Edessa"/>
-        <a:font script="Orya" typeface="Kalinga"/>
-        <a:font script="Mlym" typeface="Kartika"/>
-        <a:font script="Laoo" typeface="DokChampa"/>
-        <a:font script="Sinh" typeface="Iskoola Pota"/>
-        <a:font script="Mong" typeface="Mongolian Baiti"/>
-        <a:font script="Viet" typeface="Times New Roman"/>
-        <a:font script="Uigh" typeface="Microsoft Uighur"/>
-        <a:font script="Geor" typeface="Sylfaen"/>
-      </a:majorFont>
-      <a:minorFont>
-        <a:latin typeface="Arial"/>
-        <a:ea typeface=""/>
-        <a:cs typeface=""/>
-        <a:font script="Jpan" typeface="ＭＳ Ｐゴシック"/>
-        <a:font script="Hang" typeface="맑은 고딕"/>
-        <a:font script="Hans" typeface="宋体"/>
-        <a:font script="Hant" typeface="新細明體"/>
-        <a:font script="Arab" typeface="Arial"/>
-        <a:font script="Hebr" typeface="Arial"/>
-        <a:font script="Thai" typeface="Cordia New"/>
-        <a:font script="Ethi" typeface="Nyala"/>
-        <a:font script="Beng" typeface="Vrinda"/>
-        <a:font script="Gujr" typeface="Shruti"/>
-        <a:font script="Khmr" typeface="DaunPenh"/>
-        <a:font script="Knda" typeface="Tunga"/>
-        <a:font script="Guru" typeface="Raavi"/>
-        <a:font script="Cans" typeface="Euphemia"/>
-        <a:font script="Cher" typeface="Plantagenet Cherokee"/>
-        <a:font script="Yiii" typeface="Microsoft Yi Baiti"/>
-        <a:font script="Tibt" typeface="Microsoft Himalaya"/>
-        <a:font script="Thaa" typeface="MV Boli"/>
-        <a:font script="Deva" typeface="Mangal"/>
-        <a:font script="Telu" typeface="Gautami"/>
-        <a:font script="Taml" typeface="Latha"/>
-        <a:font script="Syrc" typeface="Estrangelo Edessa"/>
-        <a:font script="Orya" typeface="Kalinga"/>
-        <a:font script="Mlym" typeface="Kartika"/>
-        <a:font script="Laoo" typeface="DokChampa"/>
-        <a:font script="Sinh" typeface="Iskoola Pota"/>
-        <a:font script="Mong" typeface="Mongolian Baiti"/>
-        <a:font script="Viet" typeface="Arial"/>
-        <a:font script="Uigh" typeface="Microsoft Uighur"/>
-        <a:font script="Geor" typeface="Sylfaen"/>
-      </a:minorFont>
-    </a:fontScheme>
-    <a:fmtScheme name="Office">
-      <a:fillStyleLst>
-        <a:solidFill>
-          <a:schemeClr val="phClr"/>
-        </a:solidFill>
-        <a:gradFill rotWithShape="1">
-          <a:gsLst>
-            <a:gs pos="0">
-              <a:schemeClr val="phClr">
-                <a:tint val="50000"/>
-                <a:satMod val="300000"/>
-              </a:schemeClr>
-            </a:gs>
-            <a:gs pos="35000">
-              <a:schemeClr val="phClr">
-                <a:tint val="37000"/>
-                <a:satMod val="300000"/>
-              </a:schemeClr>
-            </a:gs>
-            <a:gs pos="100000">
-              <a:schemeClr val="phClr">
-                <a:tint val="15000"/>
-                <a:satMod val="350000"/>
-              </a:schemeClr>
-            </a:gs>
-          </a:gsLst>
-          <a:lin ang="16200000" scaled="1"/>
-        </a:gradFill>
-        <a:gradFill rotWithShape="1">
-          <a:gsLst>
-            <a:gs pos="0">
-              <a:schemeClr val="phClr">
-                <a:tint val="100000"/>
-                <a:shade val="100000"/>
-                <a:satMod val="130000"/>
-              </a:schemeClr>
-            </a:gs>
-            <a:gs pos="100000">
-              <a:schemeClr val="phClr">
-                <a:tint val="50000"/>
-                <a:shade val="100000"/>
-                <a:satMod val="350000"/>
-              </a:schemeClr>
-            </a:gs>
-          </a:gsLst>
-          <a:lin ang="16200000" scaled="0"/>
-        </a:gradFill>
-      </a:fillStyleLst>
-      <a:lnStyleLst>
-        <a:ln w="9525" cap="flat" cmpd="sng" algn="ctr">
-          <a:solidFill>
-            <a:schemeClr val="phClr">
-              <a:shade val="95000"/>
-              <a:satMod val="105000"/>
-            </a:schemeClr>
-          </a:solidFill>
-          <a:prstDash val="solid"/>
-        </a:ln>
-        <a:ln w="25400" cap="flat" cmpd="sng" algn="ctr">
-          <a:solidFill>
-            <a:schemeClr val="phClr"/>
-          </a:solidFill>
-          <a:prstDash val="solid"/>
-        </a:ln>
-        <a:ln w="38100" cap="flat" cmpd="sng" algn="ctr">
-          <a:solidFill>
-            <a:schemeClr val="phClr"/>
-          </a:solidFill>
-          <a:prstDash val="solid"/>
-        </a:ln>
-      </a:lnStyleLst>
-      <a:effectStyleLst>
-        <a:effectStyle>
-          <a:effectLst>
-            <a:outerShdw blurRad="40000" dist="20000" dir="5400000" rotWithShape="0">
-              <a:srgbClr val="000000">
-                <a:alpha val="38000"/>
-              </a:srgbClr>
-            </a:outerShdw>
-          </a:effectLst>
-        </a:effectStyle>
-        <a:effectStyle>
-          <a:effectLst>
-            <a:outerShdw blurRad="40000" dist="23000" dir="5400000" rotWithShape="0">
-              <a:srgbClr val="000000">
-                <a:alpha val="35000"/>
-              </a:srgbClr>
-            </a:outerShdw>
-          </a:effectLst>
-        </a:effectStyle>
-        <a:effectStyle>
-          <a:effectLst>
-            <a:outerShdw blurRad="40000" dist="23000" dir="5400000" rotWithShape="0">
-              <a:srgbClr val="000000">
-                <a:alpha val="35000"/>
-              </a:srgbClr>
-            </a:outerShdw>
-          </a:effectLst>
-          <a:scene3d>
-            <a:camera prst="orthographicFront">
-              <a:rot lat="0" lon="0" rev="0"/>
-            </a:camera>
-            <a:lightRig rig="threePt" dir="t">
-              <a:rot lat="0" lon="0" rev="1200000"/>
-            </a:lightRig>
-          </a:scene3d>
-          <a:sp3d>
-            <a:bevelT w="63500" h="25400"/>
-          </a:sp3d>
-        </a:effectStyle>
-      </a:effectStyleLst>
-      <a:bgFillStyleLst>
-        <a:solidFill>
-          <a:schemeClr val="phClr"/>
-        </a:solidFill>
-        <a:gradFill rotWithShape="1">
-          <a:gsLst>
-            <a:gs pos="0">
-              <a:schemeClr val="phClr">
-                <a:tint val="40000"/>
-                <a:satMod val="350000"/>
-              </a:schemeClr>
-            </a:gs>
-            <a:gs pos="40000">
-              <a:schemeClr val="phClr">
-                <a:tint val="45000"/>
-                <a:shade val="99000"/>
-                <a:satMod val="350000"/>
-              </a:schemeClr>
-            </a:gs>
-            <a:gs pos="100000">
-              <a:schemeClr val="phClr">
-                <a:shade val="20000"/>
-                <a:satMod val="255000"/>
-              </a:schemeClr>
-            </a:gs>
-          </a:gsLst>
-          <a:path path="circle">
-            <a:fillToRect l="50000" t="-80000" r="50000" b="180000"/>
-          </a:path>
-        </a:gradFill>
-        <a:gradFill rotWithShape="1">
-          <a:gsLst>
-            <a:gs pos="0">
-              <a:schemeClr val="phClr">
-                <a:tint val="80000"/>
-                <a:satMod val="300000"/>
-              </a:schemeClr>
-            </a:gs>
-            <a:gs pos="100000">
-              <a:schemeClr val="phClr">
-                <a:shade val="30000"/>
-                <a:satMod val="200000"/>
-              </a:schemeClr>
-            </a:gs>
-          </a:gsLst>
-          <a:path path="circle">
-            <a:fillToRect l="50000" t="50000" r="50000" b="50000"/>
-          </a:path>
-        </a:gradFill>
-      </a:bgFillStyleLst>
-    </a:fmtScheme>
-  </a:themeElements>
-</a:theme>
 </file>